--- a/doc/C&OR/Visual-abstract.pptx
+++ b/doc/C&OR/Visual-abstract.pptx
@@ -219,7 +219,7 @@
           <a:p>
             <a:fld id="{719DD4CF-C917-4D69-9374-6EFF2E9F78C3}" type="datetimeFigureOut">
               <a:rPr lang="de-DE" smtClean="0"/>
-              <a:t>18.03.2025</a:t>
+              <a:t>17.09.2025</a:t>
             </a:fld>
             <a:endParaRPr lang="de-DE"/>
           </a:p>
@@ -1901,19 +1901,13 @@
         <p:spPr/>
         <p:txBody>
           <a:bodyPr>
-            <a:normAutofit fontScale="47500" lnSpcReduction="20000"/>
+            <a:normAutofit fontScale="55000" lnSpcReduction="20000"/>
           </a:bodyPr>
           <a:lstStyle/>
           <a:p>
             <a:r>
               <a:rPr lang="en-US" dirty="0"/>
-              <a:t>Prescriptive Analytics for Two-Echelon Logistics, </a:t>
-            </a:r>
-          </a:p>
-          <a:p>
-            <a:r>
-              <a:rPr lang="en-US" dirty="0"/>
-              <a:t>a Case Study in Large-Scale Retail</a:t>
+              <a:t>Bootstrap Enhanced Scenario Optimization, a Case Study in Two-Echelon Logistics for Large-Scale Retail</a:t>
             </a:r>
             <a:endParaRPr lang="en-GB" dirty="0"/>
           </a:p>
@@ -2058,14 +2052,19 @@
         <p:spPr/>
         <p:txBody>
           <a:bodyPr>
-            <a:normAutofit/>
+            <a:normAutofit fontScale="92500"/>
           </a:bodyPr>
           <a:lstStyle/>
           <a:p>
             <a:r>
               <a:rPr lang="en-GB" sz="1300" dirty="0"/>
-              <a:t>The results demonstrate the effectiveness of the approach on the use case presented.</a:t>
-            </a:r>
+              <a:t>The problem is an instance of allocation with split assignments. </a:t>
+            </a:r>
+            <a:r>
+              <a:rPr lang="en-US" sz="1300" dirty="0"/>
+              <a:t>The results demonstrate the effectiveness of the approach for the presented use case and for a general benchmark.</a:t>
+            </a:r>
+            <a:endParaRPr lang="en-GB" sz="1300" dirty="0"/>
           </a:p>
           <a:p>
             <a:r>
@@ -2700,6 +2699,21 @@
 </file>
 
 <file path=customXml/item1.xml><?xml version="1.0" encoding="utf-8"?>
+<p:properties xmlns:p="http://schemas.microsoft.com/office/2006/metadata/properties" xmlns:xsi="http://www.w3.org/2001/XMLSchema-instance" xmlns:pc="http://schemas.microsoft.com/office/infopath/2007/PartnerControls">
+  <documentManagement/>
+</p:properties>
+</file>
+
+<file path=customXml/item2.xml><?xml version="1.0" encoding="utf-8"?>
+<?mso-contentType ?>
+<FormTemplates xmlns="http://schemas.microsoft.com/sharepoint/v3/contenttype/forms">
+  <Display>DocumentLibraryForm</Display>
+  <Edit>DocumentLibraryForm</Edit>
+  <New>DocumentLibraryForm</New>
+</FormTemplates>
+</file>
+
+<file path=customXml/item3.xml><?xml version="1.0" encoding="utf-8"?>
 <ct:contentTypeSchema xmlns:ct="http://schemas.microsoft.com/office/2006/metadata/contentType" xmlns:ma="http://schemas.microsoft.com/office/2006/metadata/properties/metaAttributes" ct:_="" ma:_="" ma:contentTypeName="Document" ma:contentTypeID="0x010100103F462C81B4CA4089CDB375C6F04451" ma:contentTypeVersion="13" ma:contentTypeDescription="Create a new document." ma:contentTypeScope="" ma:versionID="4eee17a48324ef3a8839ded83eb7de38">
   <xsd:schema xmlns:xsd="http://www.w3.org/2001/XMLSchema" xmlns:xs="http://www.w3.org/2001/XMLSchema" xmlns:p="http://schemas.microsoft.com/office/2006/metadata/properties" xmlns:ns3="bcd1ee4d-0a03-4459-8227-1729d7e061bd" xmlns:ns4="69a629a4-d0d4-49a2-bb4f-4472faa1e085" targetNamespace="http://schemas.microsoft.com/office/2006/metadata/properties" ma:root="true" ma:fieldsID="e7a6086a60396f1d785e83d39353bd74" ns3:_="" ns4:_="">
     <xsd:import namespace="bcd1ee4d-0a03-4459-8227-1729d7e061bd"/>
@@ -2922,22 +2936,32 @@
 </ct:contentTypeSchema>
 </file>
 
-<file path=customXml/item2.xml><?xml version="1.0" encoding="utf-8"?>
-<?mso-contentType ?>
-<FormTemplates xmlns="http://schemas.microsoft.com/sharepoint/v3/contenttype/forms">
-  <Display>DocumentLibraryForm</Display>
-  <Edit>DocumentLibraryForm</Edit>
-  <New>DocumentLibraryForm</New>
-</FormTemplates>
+<file path=customXml/itemProps1.xml><?xml version="1.0" encoding="utf-8"?>
+<ds:datastoreItem xmlns:ds="http://schemas.openxmlformats.org/officeDocument/2006/customXml" ds:itemID="{FA7137FC-9D71-44E6-A5E9-F8E9B717AA1D}">
+  <ds:schemaRefs>
+    <ds:schemaRef ds:uri="http://purl.org/dc/elements/1.1/"/>
+    <ds:schemaRef ds:uri="http://schemas.microsoft.com/office/2006/metadata/properties"/>
+    <ds:schemaRef ds:uri="bcd1ee4d-0a03-4459-8227-1729d7e061bd"/>
+    <ds:schemaRef ds:uri="69a629a4-d0d4-49a2-bb4f-4472faa1e085"/>
+    <ds:schemaRef ds:uri="http://purl.org/dc/terms/"/>
+    <ds:schemaRef ds:uri="http://schemas.openxmlformats.org/package/2006/metadata/core-properties"/>
+    <ds:schemaRef ds:uri="http://schemas.microsoft.com/office/2006/documentManagement/types"/>
+    <ds:schemaRef ds:uri="http://schemas.microsoft.com/office/infopath/2007/PartnerControls"/>
+    <ds:schemaRef ds:uri="http://www.w3.org/XML/1998/namespace"/>
+    <ds:schemaRef ds:uri="http://purl.org/dc/dcmitype/"/>
+  </ds:schemaRefs>
+</ds:datastoreItem>
 </file>
 
-<file path=customXml/item3.xml><?xml version="1.0" encoding="utf-8"?>
-<p:properties xmlns:p="http://schemas.microsoft.com/office/2006/metadata/properties" xmlns:xsi="http://www.w3.org/2001/XMLSchema-instance" xmlns:pc="http://schemas.microsoft.com/office/infopath/2007/PartnerControls">
-  <documentManagement/>
-</p:properties>
+<file path=customXml/itemProps2.xml><?xml version="1.0" encoding="utf-8"?>
+<ds:datastoreItem xmlns:ds="http://schemas.openxmlformats.org/officeDocument/2006/customXml" ds:itemID="{692590EA-0C5B-4498-8275-4BA46B0A58E2}">
+  <ds:schemaRefs>
+    <ds:schemaRef ds:uri="http://schemas.microsoft.com/sharepoint/v3/contenttype/forms"/>
+  </ds:schemaRefs>
+</ds:datastoreItem>
 </file>
 
-<file path=customXml/itemProps1.xml><?xml version="1.0" encoding="utf-8"?>
+<file path=customXml/itemProps3.xml><?xml version="1.0" encoding="utf-8"?>
 <ds:datastoreItem xmlns:ds="http://schemas.openxmlformats.org/officeDocument/2006/customXml" ds:itemID="{D452E5B6-66F6-4CFC-8201-64FEC47FE63A}">
   <ds:schemaRefs>
     <ds:schemaRef ds:uri="http://schemas.microsoft.com/office/2006/metadata/contentType"/>
@@ -2954,29 +2978,4 @@
     <ds:schemaRef ds:uri="http://schemas.microsoft.com/internal/obd"/>
   </ds:schemaRefs>
 </ds:datastoreItem>
-</file>
-
-<file path=customXml/itemProps2.xml><?xml version="1.0" encoding="utf-8"?>
-<ds:datastoreItem xmlns:ds="http://schemas.openxmlformats.org/officeDocument/2006/customXml" ds:itemID="{692590EA-0C5B-4498-8275-4BA46B0A58E2}">
-  <ds:schemaRefs>
-    <ds:schemaRef ds:uri="http://schemas.microsoft.com/sharepoint/v3/contenttype/forms"/>
-  </ds:schemaRefs>
-</ds:datastoreItem>
-</file>
-
-<file path=customXml/itemProps3.xml><?xml version="1.0" encoding="utf-8"?>
-<ds:datastoreItem xmlns:ds="http://schemas.openxmlformats.org/officeDocument/2006/customXml" ds:itemID="{FA7137FC-9D71-44E6-A5E9-F8E9B717AA1D}">
-  <ds:schemaRefs>
-    <ds:schemaRef ds:uri="http://purl.org/dc/elements/1.1/"/>
-    <ds:schemaRef ds:uri="http://schemas.microsoft.com/office/2006/metadata/properties"/>
-    <ds:schemaRef ds:uri="bcd1ee4d-0a03-4459-8227-1729d7e061bd"/>
-    <ds:schemaRef ds:uri="69a629a4-d0d4-49a2-bb4f-4472faa1e085"/>
-    <ds:schemaRef ds:uri="http://purl.org/dc/terms/"/>
-    <ds:schemaRef ds:uri="http://schemas.openxmlformats.org/package/2006/metadata/core-properties"/>
-    <ds:schemaRef ds:uri="http://schemas.microsoft.com/office/2006/documentManagement/types"/>
-    <ds:schemaRef ds:uri="http://schemas.microsoft.com/office/infopath/2007/PartnerControls"/>
-    <ds:schemaRef ds:uri="http://www.w3.org/XML/1998/namespace"/>
-    <ds:schemaRef ds:uri="http://purl.org/dc/dcmitype/"/>
-  </ds:schemaRefs>
-</ds:datastoreItem>
 </file>